--- a/Madrid_House_Pricing_ML.pptx
+++ b/Madrid_House_Pricing_ML.pptx
@@ -4755,7 +4755,7 @@
         <a:p>
           <a:r>
             <a:rPr lang="es-ES" dirty="0"/>
-            <a:t>OBJETIVO DE NEGOCIO:</a:t>
+            <a:t>OBJETIVO: NUESTRO PROBLEMA DE NEGOCIO.</a:t>
           </a:r>
         </a:p>
         <a:p>
@@ -5494,7 +5494,7 @@
         <a:p>
           <a:r>
             <a:rPr lang="es-ES" sz="3200" b="1" dirty="0"/>
-            <a:t>Metodología: análisis sistemático propio de </a:t>
+            <a:t>Metodología: análisis secuencial propio de </a:t>
           </a:r>
           <a:r>
             <a:rPr lang="es-ES" sz="3200" b="1" i="1" dirty="0"/>
@@ -5549,7 +5549,7 @@
                 </a:schemeClr>
               </a:solidFill>
             </a:rPr>
-            <a:t>Visualización y análisis previo de los datos (EDA): </a:t>
+            <a:t>1.Visualización y análisis previo de los datos (EDA): </a:t>
           </a:r>
           <a:r>
             <a:rPr lang="es-ES" dirty="0">
@@ -5601,7 +5601,7 @@
                 </a:schemeClr>
               </a:solidFill>
             </a:rPr>
-            <a:t>Modelo de Entrenamiento</a:t>
+            <a:t>2. Modelo de Entrenamiento</a:t>
           </a:r>
           <a:r>
             <a:rPr lang="es-ES" dirty="0">
@@ -5673,7 +5673,7 @@
                 </a:schemeClr>
               </a:solidFill>
             </a:rPr>
-            <a:t>Algoritmos Utilizados</a:t>
+            <a:t>3. Algoritmos Utilizados</a:t>
           </a:r>
           <a:r>
             <a:rPr lang="es-ES" dirty="0">
@@ -5838,7 +5838,7 @@
         <a:p>
           <a:r>
             <a:rPr lang="es-ES" sz="1800" dirty="0"/>
-            <a:t>Visualización y división de los datos.</a:t>
+            <a:t>Visualización y división de los datos:</a:t>
           </a:r>
         </a:p>
       </dgm:t>
@@ -5970,7 +5970,7 @@
         <a:p>
           <a:r>
             <a:rPr lang="es-ES" sz="1800" dirty="0"/>
-            <a:t>EDA.  Análisis.</a:t>
+            <a:t>Análisis de los datos (EDA):</a:t>
           </a:r>
         </a:p>
       </dgm:t>
@@ -6042,7 +6042,7 @@
         <a:p>
           <a:r>
             <a:rPr lang="es-ES" sz="1600" dirty="0"/>
-            <a:t>Vemos de cuáles prescindir y con cuáles nos quedamos.</a:t>
+            <a:t>Seleccionando de cuáles prescindir y con cuáles nos quedaríamos.</a:t>
           </a:r>
         </a:p>
       </dgm:t>
@@ -6349,13 +6349,13 @@
       <dgm:spPr/>
     </dgm:pt>
     <dgm:pt modelId="{FBCAE5E2-741E-4CCD-A5D0-5588C66CD59B}" type="pres">
-      <dgm:prSet presAssocID="{2D70606D-6276-490B-A42A-703563F012BC}" presName="imagSh" presStyleLbl="bgImgPlace1" presStyleIdx="0" presStyleCnt="3" custScaleX="182062" custScaleY="170516" custLinFactNeighborX="-571" custLinFactNeighborY="-53588"/>
+      <dgm:prSet presAssocID="{2D70606D-6276-490B-A42A-703563F012BC}" presName="imagSh" presStyleLbl="bgImgPlace1" presStyleIdx="0" presStyleCnt="3" custScaleX="179868" custScaleY="196586" custLinFactNeighborX="21101" custLinFactNeighborY="-61267"/>
       <dgm:spPr>
         <a:blipFill rotWithShape="1">
           <a:blip xmlns:r="http://schemas.openxmlformats.org/officeDocument/2006/relationships" r:embed="rId1"/>
           <a:srcRect/>
           <a:stretch>
-            <a:fillRect l="-11000" r="-11000"/>
+            <a:fillRect l="-10000" r="-10000"/>
           </a:stretch>
         </a:blipFill>
       </dgm:spPr>
@@ -6381,7 +6381,7 @@
       <dgm:spPr/>
     </dgm:pt>
     <dgm:pt modelId="{8090108C-590D-4716-9DB5-18257F2A3E10}" type="pres">
-      <dgm:prSet presAssocID="{5996524E-119C-4791-A369-8AD3486B79EA}" presName="imagSh" presStyleLbl="bgImgPlace1" presStyleIdx="1" presStyleCnt="3" custScaleX="182062" custScaleY="170516" custLinFactNeighborX="-571" custLinFactNeighborY="-53588"/>
+      <dgm:prSet presAssocID="{5996524E-119C-4791-A369-8AD3486B79EA}" presName="imagSh" presStyleLbl="bgImgPlace1" presStyleIdx="1" presStyleCnt="3" custScaleX="182062" custScaleY="170516" custLinFactNeighborX="-1160" custLinFactNeighborY="-67143"/>
       <dgm:spPr>
         <a:blipFill rotWithShape="1">
           <a:blip xmlns:r="http://schemas.openxmlformats.org/officeDocument/2006/relationships" r:embed="rId2"/>
@@ -6413,7 +6413,7 @@
       <dgm:spPr/>
     </dgm:pt>
     <dgm:pt modelId="{5446DE24-5388-4C8A-8505-67BEF95FE5C0}" type="pres">
-      <dgm:prSet presAssocID="{41816F97-FC2F-43B0-9546-A26BF592860D}" presName="imagSh" presStyleLbl="bgImgPlace1" presStyleIdx="2" presStyleCnt="3" custScaleX="182062" custScaleY="170516" custLinFactNeighborX="-571" custLinFactNeighborY="-53588"/>
+      <dgm:prSet presAssocID="{41816F97-FC2F-43B0-9546-A26BF592860D}" presName="imagSh" presStyleLbl="bgImgPlace1" presStyleIdx="2" presStyleCnt="3" custScaleX="182062" custScaleY="170516" custLinFactNeighborX="2965" custLinFactNeighborY="-59481"/>
       <dgm:spPr>
         <a:blipFill rotWithShape="1">
           <a:blip xmlns:r="http://schemas.openxmlformats.org/officeDocument/2006/relationships" r:embed="rId3"/>
@@ -7403,7 +7403,7 @@
           </a:pPr>
           <a:r>
             <a:rPr lang="es-ES" sz="1700" kern="1200" dirty="0"/>
-            <a:t>OBJETIVO DE NEGOCIO:</a:t>
+            <a:t>OBJETIVO: NUESTRO PROBLEMA DE NEGOCIO.</a:t>
           </a:r>
         </a:p>
         <a:p>
@@ -8115,7 +8115,7 @@
           </a:pPr>
           <a:r>
             <a:rPr lang="es-ES" sz="3200" b="1" kern="1200" dirty="0"/>
-            <a:t>Metodología: análisis sistemático propio de </a:t>
+            <a:t>Metodología: análisis secuencial propio de </a:t>
           </a:r>
           <a:r>
             <a:rPr lang="es-ES" sz="3200" b="1" i="1" kern="1200" dirty="0"/>
@@ -8270,7 +8270,7 @@
                 </a:schemeClr>
               </a:solidFill>
             </a:rPr>
-            <a:t>Visualización y análisis previo de los datos (EDA): </a:t>
+            <a:t>1.Visualización y análisis previo de los datos (EDA): </a:t>
           </a:r>
           <a:r>
             <a:rPr lang="es-ES" sz="1900" kern="1200" dirty="0">
@@ -8422,7 +8422,7 @@
                 </a:schemeClr>
               </a:solidFill>
             </a:rPr>
-            <a:t>Modelo de Entrenamiento</a:t>
+            <a:t>2. Modelo de Entrenamiento</a:t>
           </a:r>
           <a:r>
             <a:rPr lang="es-ES" sz="1900" kern="1200" dirty="0">
@@ -8594,7 +8594,7 @@
                 </a:schemeClr>
               </a:solidFill>
             </a:rPr>
-            <a:t>Algoritmos Utilizados</a:t>
+            <a:t>3. Algoritmos Utilizados</a:t>
           </a:r>
           <a:r>
             <a:rPr lang="es-ES" sz="1900" kern="1200" dirty="0">
@@ -8632,8 +8632,8 @@
       </dsp:nvSpPr>
       <dsp:spPr>
         <a:xfrm>
-          <a:off x="0" y="329342"/>
-          <a:ext cx="2769392" cy="2593763"/>
+          <a:off x="323699" y="109251"/>
+          <a:ext cx="2740060" cy="2994738"/>
         </a:xfrm>
         <a:prstGeom prst="roundRect">
           <a:avLst>
@@ -8644,7 +8644,7 @@
           <a:blip xmlns:r="http://schemas.openxmlformats.org/officeDocument/2006/relationships" r:embed="rId1"/>
           <a:srcRect/>
           <a:stretch>
-            <a:fillRect l="-11000" r="-11000"/>
+            <a:fillRect l="-10000" r="-10000"/>
           </a:stretch>
         </a:blipFill>
         <a:ln w="15875" cap="flat" cmpd="sng" algn="ctr">
@@ -8680,8 +8680,8 @@
       </dsp:nvSpPr>
       <dsp:spPr>
         <a:xfrm>
-          <a:off x="125587" y="2739529"/>
-          <a:ext cx="3062270" cy="2679539"/>
+          <a:off x="109513" y="2838549"/>
+          <a:ext cx="3066793" cy="2683497"/>
         </a:xfrm>
         <a:prstGeom prst="roundRect">
           <a:avLst>
@@ -8743,7 +8743,7 @@
           </a:pPr>
           <a:r>
             <a:rPr lang="es-ES" sz="1800" kern="1200" dirty="0"/>
-            <a:t>Visualización y división de los datos.</a:t>
+            <a:t>Visualización y división de los datos:</a:t>
           </a:r>
         </a:p>
         <a:p>
@@ -8876,8 +8876,8 @@
         </a:p>
       </dsp:txBody>
       <dsp:txXfrm>
-        <a:off x="204068" y="2818010"/>
-        <a:ext cx="2905308" cy="2522577"/>
+        <a:off x="188110" y="2917146"/>
+        <a:ext cx="2909599" cy="2526303"/>
       </dsp:txXfrm>
     </dsp:sp>
     <dsp:sp modelId="{C786937E-FCAA-4F44-B11C-45EBD3DA00CD}">
@@ -8886,9 +8886,9 @@
         <dsp:cNvSpPr/>
       </dsp:nvSpPr>
       <dsp:spPr>
-        <a:xfrm rot="21589894">
-          <a:off x="2979034" y="1317095"/>
-          <a:ext cx="606251" cy="607100"/>
+        <a:xfrm rot="21399328">
+          <a:off x="3205639" y="1202227"/>
+          <a:ext cx="412006" cy="607997"/>
         </a:xfrm>
         <a:prstGeom prst="rightArrow">
           <a:avLst>
@@ -8946,8 +8946,8 @@
         </a:p>
       </dsp:txBody>
       <dsp:txXfrm>
-        <a:off x="2979034" y="1438782"/>
-        <a:ext cx="424376" cy="364260"/>
+        <a:off x="3205744" y="1327431"/>
+        <a:ext cx="288404" cy="364799"/>
       </dsp:txXfrm>
     </dsp:sp>
     <dsp:sp modelId="{8090108C-590D-4716-9DB5-18257F2A3E10}">
@@ -8957,8 +8957,8 @@
       </dsp:nvSpPr>
       <dsp:spPr>
         <a:xfrm>
-          <a:off x="3746093" y="318329"/>
-          <a:ext cx="2769392" cy="2593763"/>
+          <a:off x="3726394" y="107994"/>
+          <a:ext cx="2773483" cy="2597594"/>
         </a:xfrm>
         <a:prstGeom prst="roundRect">
           <a:avLst>
@@ -9005,8 +9005,8 @@
       </dsp:nvSpPr>
       <dsp:spPr>
         <a:xfrm>
-          <a:off x="3850245" y="2706490"/>
-          <a:ext cx="3118917" cy="2723591"/>
+          <a:off x="3839673" y="2706176"/>
+          <a:ext cx="3123524" cy="2727614"/>
         </a:xfrm>
         <a:prstGeom prst="roundRect">
           <a:avLst>
@@ -9068,7 +9068,7 @@
           </a:pPr>
           <a:r>
             <a:rPr lang="es-ES" sz="1800" kern="1200" dirty="0"/>
-            <a:t>EDA.  Análisis.</a:t>
+            <a:t>Análisis de los datos (EDA):</a:t>
           </a:r>
         </a:p>
         <a:p>
@@ -9122,7 +9122,7 @@
           </a:pPr>
           <a:r>
             <a:rPr lang="es-ES" sz="1600" kern="1200" dirty="0"/>
-            <a:t>Vemos de cuáles prescindir y con cuáles nos quedamos.</a:t>
+            <a:t>Seleccionando de cuáles prescindir y con cuáles nos quedaríamos.</a:t>
           </a:r>
         </a:p>
         <a:p>
@@ -9145,8 +9145,8 @@
         </a:p>
       </dsp:txBody>
       <dsp:txXfrm>
-        <a:off x="3930016" y="2786261"/>
-        <a:ext cx="2959375" cy="2564049"/>
+        <a:off x="3919562" y="2786065"/>
+        <a:ext cx="2963746" cy="2567836"/>
       </dsp:txXfrm>
     </dsp:sp>
     <dsp:sp modelId="{2FFAE332-8722-4F4B-8834-42F5267A2C09}">
@@ -9155,9 +9155,9 @@
         <dsp:cNvSpPr/>
       </dsp:nvSpPr>
       <dsp:spPr>
-        <a:xfrm rot="10012">
-          <a:off x="6732686" y="1317241"/>
-          <a:ext cx="628107" cy="607100"/>
+        <a:xfrm rot="114037">
+          <a:off x="6730704" y="1167561"/>
+          <a:ext cx="668405" cy="607997"/>
         </a:xfrm>
         <a:prstGeom prst="rightArrow">
           <a:avLst>
@@ -9215,8 +9215,8 @@
         </a:p>
       </dsp:txBody>
       <dsp:txXfrm>
-        <a:off x="6732686" y="1438396"/>
-        <a:ext cx="445977" cy="364260"/>
+        <a:off x="6730754" y="1286135"/>
+        <a:ext cx="486006" cy="364799"/>
       </dsp:txXfrm>
     </dsp:sp>
     <dsp:sp modelId="{5446DE24-5388-4C8A-8505-67BEF95FE5C0}">
@@ -9226,8 +9226,8 @@
       </dsp:nvSpPr>
       <dsp:spPr>
         <a:xfrm>
-          <a:off x="7527398" y="329342"/>
-          <a:ext cx="2769392" cy="2593763"/>
+          <a:off x="7576124" y="235744"/>
+          <a:ext cx="2773483" cy="2597594"/>
         </a:xfrm>
         <a:prstGeom prst="roundRect">
           <a:avLst>
@@ -9274,8 +9274,8 @@
       </dsp:nvSpPr>
       <dsp:spPr>
         <a:xfrm>
-          <a:off x="7639067" y="2739529"/>
-          <a:ext cx="3062270" cy="2679539"/>
+          <a:off x="7634544" y="2739263"/>
+          <a:ext cx="3066793" cy="2683497"/>
         </a:xfrm>
         <a:prstGeom prst="roundRect">
           <a:avLst>
@@ -9360,8 +9360,8 @@
         </a:p>
       </dsp:txBody>
       <dsp:txXfrm>
-        <a:off x="7717548" y="2818010"/>
-        <a:ext cx="2905308" cy="2522577"/>
+        <a:off x="7713141" y="2817860"/>
+        <a:ext cx="2909599" cy="2526303"/>
       </dsp:txXfrm>
     </dsp:sp>
   </dsp:spTree>
@@ -21593,17 +21593,26 @@
         </p:nvSpPr>
         <p:spPr>
           <a:xfrm>
-            <a:off x="442913" y="300039"/>
-            <a:ext cx="11119166" cy="3128962"/>
+            <a:off x="2325501" y="224118"/>
+            <a:ext cx="8637072" cy="3128962"/>
           </a:xfrm>
         </p:spPr>
         <p:txBody>
           <a:bodyPr>
-            <a:normAutofit/>
+            <a:normAutofit fontScale="90000"/>
           </a:bodyPr>
           <a:lstStyle/>
           <a:p>
             <a:pPr algn="ctr"/>
+            <a:br>
+              <a:rPr lang="es-ES" sz="3200" dirty="0">
+                <a:solidFill>
+                  <a:schemeClr val="accent2">
+                    <a:lumMod val="75000"/>
+                  </a:schemeClr>
+                </a:solidFill>
+              </a:rPr>
+            </a:br>
             <a:r>
               <a:rPr lang="es-ES" sz="3200" dirty="0">
                 <a:solidFill>
@@ -21740,7 +21749,7 @@
         </p:nvSpPr>
         <p:spPr>
           <a:xfrm>
-            <a:off x="1950420" y="3775044"/>
+            <a:off x="2325501" y="3757114"/>
             <a:ext cx="8637072" cy="977621"/>
           </a:xfrm>
         </p:spPr>
@@ -21750,7 +21759,7 @@
           <a:p>
             <a:r>
               <a:rPr lang="es-ES" dirty="0"/>
-              <a:t>Por: IGNACIO CORTÉS </a:t>
+              <a:t>POR: IGNACIO CORTÉS </a:t>
             </a:r>
             <a:r>
               <a:rPr lang="es-ES" dirty="0" err="1"/>
@@ -21815,13 +21824,13 @@
           <p:nvPr>
             <p:extLst>
               <p:ext uri="{D42A27DB-BD31-4B8C-83A1-F6EECF244321}">
-                <p14:modId xmlns:p14="http://schemas.microsoft.com/office/powerpoint/2010/main" val="3548844896"/>
+                <p14:modId xmlns:p14="http://schemas.microsoft.com/office/powerpoint/2010/main" val="3306672317"/>
               </p:ext>
             </p:extLst>
           </p:nvPr>
         </p:nvGraphicFramePr>
         <p:xfrm>
-          <a:off x="2457449" y="314326"/>
+          <a:off x="1695449" y="314326"/>
           <a:ext cx="9029701" cy="5757862"/>
         </p:xfrm>
         <a:graphic>
@@ -21830,6 +21839,48 @@
           </a:graphicData>
         </a:graphic>
       </p:graphicFrame>
+      <p:sp>
+        <p:nvSpPr>
+          <p:cNvPr id="2" name="CuadroTexto 1">
+            <a:extLst>
+              <a:ext uri="{FF2B5EF4-FFF2-40B4-BE49-F238E27FC236}">
+                <a16:creationId xmlns:a16="http://schemas.microsoft.com/office/drawing/2014/main" id="{B174A344-8AD0-C38A-536F-194D444C417F}"/>
+              </a:ext>
+            </a:extLst>
+          </p:cNvPr>
+          <p:cNvSpPr txBox="1"/>
+          <p:nvPr/>
+        </p:nvSpPr>
+        <p:spPr>
+          <a:xfrm>
+            <a:off x="2949389" y="314326"/>
+            <a:ext cx="6651812" cy="461665"/>
+          </a:xfrm>
+          <a:prstGeom prst="rect">
+            <a:avLst/>
+          </a:prstGeom>
+          <a:noFill/>
+        </p:spPr>
+        <p:txBody>
+          <a:bodyPr wrap="square" rtlCol="0">
+            <a:spAutoFit/>
+          </a:bodyPr>
+          <a:lstStyle/>
+          <a:p>
+            <a:pPr algn="ctr"/>
+            <a:r>
+              <a:rPr lang="es-ES" sz="2400" dirty="0">
+                <a:solidFill>
+                  <a:schemeClr val="accent1">
+                    <a:lumMod val="75000"/>
+                  </a:schemeClr>
+                </a:solidFill>
+              </a:rPr>
+              <a:t>OBJETIVO Y MOTIVACIÓN:</a:t>
+            </a:r>
+          </a:p>
+        </p:txBody>
+      </p:sp>
     </p:spTree>
     <p:extLst>
       <p:ext uri="{BB962C8B-B14F-4D97-AF65-F5344CB8AC3E}">
@@ -21931,7 +21982,7 @@
           <p:nvPr>
             <p:extLst>
               <p:ext uri="{D42A27DB-BD31-4B8C-83A1-F6EECF244321}">
-                <p14:modId xmlns:p14="http://schemas.microsoft.com/office/powerpoint/2010/main" val="2075601781"/>
+                <p14:modId xmlns:p14="http://schemas.microsoft.com/office/powerpoint/2010/main" val="3711142490"/>
               </p:ext>
             </p:extLst>
           </p:nvPr>
@@ -21989,7 +22040,7 @@
           <p:nvPr>
             <p:extLst>
               <p:ext uri="{D42A27DB-BD31-4B8C-83A1-F6EECF244321}">
-                <p14:modId xmlns:p14="http://schemas.microsoft.com/office/powerpoint/2010/main" val="33755670"/>
+                <p14:modId xmlns:p14="http://schemas.microsoft.com/office/powerpoint/2010/main" val="1403113550"/>
               </p:ext>
             </p:extLst>
           </p:nvPr>

--- a/Madrid_House_Pricing_ML.pptx
+++ b/Madrid_House_Pricing_ML.pptx
@@ -6349,19 +6349,19 @@
       <dgm:spPr/>
     </dgm:pt>
     <dgm:pt modelId="{FBCAE5E2-741E-4CCD-A5D0-5588C66CD59B}" type="pres">
-      <dgm:prSet presAssocID="{2D70606D-6276-490B-A42A-703563F012BC}" presName="imagSh" presStyleLbl="bgImgPlace1" presStyleIdx="0" presStyleCnt="3" custScaleX="179868" custScaleY="196586" custLinFactNeighborX="21101" custLinFactNeighborY="-61267"/>
+      <dgm:prSet presAssocID="{2D70606D-6276-490B-A42A-703563F012BC}" presName="imagSh" presStyleLbl="bgImgPlace1" presStyleIdx="0" presStyleCnt="3" custScaleX="179868" custScaleY="181637" custLinFactNeighborX="22866" custLinFactNeighborY="-65975"/>
       <dgm:spPr>
         <a:blipFill rotWithShape="1">
           <a:blip xmlns:r="http://schemas.openxmlformats.org/officeDocument/2006/relationships" r:embed="rId1"/>
           <a:srcRect/>
           <a:stretch>
-            <a:fillRect l="-10000" r="-10000"/>
+            <a:fillRect t="-12000" b="-12000"/>
           </a:stretch>
         </a:blipFill>
       </dgm:spPr>
     </dgm:pt>
     <dgm:pt modelId="{16C00DA9-6AE9-4776-9B76-62965201E420}" type="pres">
-      <dgm:prSet presAssocID="{2D70606D-6276-490B-A42A-703563F012BC}" presName="txNode" presStyleLbl="node1" presStyleIdx="0" presStyleCnt="3" custScaleX="201316" custScaleY="176155" custLinFactNeighborX="1486" custLinFactNeighborY="47679">
+      <dgm:prSet presAssocID="{2D70606D-6276-490B-A42A-703563F012BC}" presName="txNode" presStyleLbl="node1" presStyleIdx="0" presStyleCnt="3" custScaleX="201316" custScaleY="176155" custLinFactNeighborX="6194" custLinFactNeighborY="40029">
         <dgm:presLayoutVars>
           <dgm:bulletEnabled val="1"/>
         </dgm:presLayoutVars>
@@ -8632,8 +8632,8 @@
       </dsp:nvSpPr>
       <dsp:spPr>
         <a:xfrm>
-          <a:off x="323699" y="109251"/>
-          <a:ext cx="2740060" cy="2994738"/>
+          <a:off x="350586" y="94463"/>
+          <a:ext cx="2740060" cy="2767009"/>
         </a:xfrm>
         <a:prstGeom prst="roundRect">
           <a:avLst>
@@ -8644,7 +8644,7 @@
           <a:blip xmlns:r="http://schemas.openxmlformats.org/officeDocument/2006/relationships" r:embed="rId1"/>
           <a:srcRect/>
           <a:stretch>
-            <a:fillRect l="-10000" r="-10000"/>
+            <a:fillRect t="-12000" b="-12000"/>
           </a:stretch>
         </a:blipFill>
         <a:ln w="15875" cap="flat" cmpd="sng" algn="ctr">
@@ -8680,7 +8680,7 @@
       </dsp:nvSpPr>
       <dsp:spPr>
         <a:xfrm>
-          <a:off x="109513" y="2838549"/>
+          <a:off x="181234" y="2665079"/>
           <a:ext cx="3066793" cy="2683497"/>
         </a:xfrm>
         <a:prstGeom prst="roundRect">
@@ -8876,7 +8876,7 @@
         </a:p>
       </dsp:txBody>
       <dsp:txXfrm>
-        <a:off x="188110" y="2917146"/>
+        <a:off x="259831" y="2743676"/>
         <a:ext cx="2909599" cy="2526303"/>
       </dsp:txXfrm>
     </dsp:sp>
@@ -8886,9 +8886,9 @@
         <dsp:cNvSpPr/>
       </dsp:nvSpPr>
       <dsp:spPr>
-        <a:xfrm rot="21399328">
-          <a:off x="3205639" y="1202227"/>
-          <a:ext cx="412006" cy="607997"/>
+        <a:xfrm rot="21527886">
+          <a:off x="3227063" y="1138223"/>
+          <a:ext cx="394702" cy="607997"/>
         </a:xfrm>
         <a:prstGeom prst="rightArrow">
           <a:avLst>
@@ -8946,8 +8946,8 @@
         </a:p>
       </dsp:txBody>
       <dsp:txXfrm>
-        <a:off x="3205744" y="1327431"/>
-        <a:ext cx="288404" cy="364799"/>
+        <a:off x="3227076" y="1261064"/>
+        <a:ext cx="276291" cy="364799"/>
       </dsp:txXfrm>
     </dsp:sp>
     <dsp:sp modelId="{8090108C-590D-4716-9DB5-18257F2A3E10}">
@@ -22040,7 +22040,7 @@
           <p:nvPr>
             <p:extLst>
               <p:ext uri="{D42A27DB-BD31-4B8C-83A1-F6EECF244321}">
-                <p14:modId xmlns:p14="http://schemas.microsoft.com/office/powerpoint/2010/main" val="1403113550"/>
+                <p14:modId xmlns:p14="http://schemas.microsoft.com/office/powerpoint/2010/main" val="3918292545"/>
               </p:ext>
             </p:extLst>
           </p:nvPr>

--- a/Madrid_House_Pricing_ML.pptx
+++ b/Madrid_House_Pricing_ML.pptx
@@ -5970,7 +5970,15 @@
         <a:p>
           <a:r>
             <a:rPr lang="es-ES" sz="1800" dirty="0"/>
-            <a:t>Análisis de los datos (EDA):</a:t>
+            <a:t>Análisis de los datos (EDA</a:t>
+          </a:r>
+          <a:r>
+            <a:rPr lang="es-ES" sz="1200" dirty="0"/>
+            <a:t>(*)</a:t>
+          </a:r>
+          <a:r>
+            <a:rPr lang="es-ES" sz="1800" dirty="0"/>
+            <a:t>):</a:t>
           </a:r>
         </a:p>
       </dgm:t>
@@ -9068,7 +9076,15 @@
           </a:pPr>
           <a:r>
             <a:rPr lang="es-ES" sz="1800" kern="1200" dirty="0"/>
-            <a:t>Análisis de los datos (EDA):</a:t>
+            <a:t>Análisis de los datos (EDA</a:t>
+          </a:r>
+          <a:r>
+            <a:rPr lang="es-ES" sz="1200" kern="1200" dirty="0"/>
+            <a:t>(*)</a:t>
+          </a:r>
+          <a:r>
+            <a:rPr lang="es-ES" sz="1800" kern="1200" dirty="0"/>
+            <a:t>):</a:t>
           </a:r>
         </a:p>
         <a:p>
@@ -22040,7 +22056,7 @@
           <p:nvPr>
             <p:extLst>
               <p:ext uri="{D42A27DB-BD31-4B8C-83A1-F6EECF244321}">
-                <p14:modId xmlns:p14="http://schemas.microsoft.com/office/powerpoint/2010/main" val="3918292545"/>
+                <p14:modId xmlns:p14="http://schemas.microsoft.com/office/powerpoint/2010/main" val="3130954374"/>
               </p:ext>
             </p:extLst>
           </p:nvPr>
@@ -22055,6 +22071,77 @@
           </a:graphicData>
         </a:graphic>
       </p:graphicFrame>
+      <p:sp>
+        <p:nvSpPr>
+          <p:cNvPr id="3" name="CuadroTexto 2">
+            <a:extLst>
+              <a:ext uri="{FF2B5EF4-FFF2-40B4-BE49-F238E27FC236}">
+                <a16:creationId xmlns:a16="http://schemas.microsoft.com/office/drawing/2014/main" id="{B456B590-9983-7680-9D75-BE4CB66AD84C}"/>
+              </a:ext>
+            </a:extLst>
+          </p:cNvPr>
+          <p:cNvSpPr txBox="1"/>
+          <p:nvPr/>
+        </p:nvSpPr>
+        <p:spPr>
+          <a:xfrm>
+            <a:off x="717175" y="5836024"/>
+            <a:ext cx="6992471" cy="246221"/>
+          </a:xfrm>
+          <a:prstGeom prst="rect">
+            <a:avLst/>
+          </a:prstGeom>
+          <a:noFill/>
+        </p:spPr>
+        <p:txBody>
+          <a:bodyPr wrap="square" rtlCol="0">
+            <a:spAutoFit/>
+          </a:bodyPr>
+          <a:lstStyle/>
+          <a:p>
+            <a:r>
+              <a:rPr lang="es-ES" sz="1000" dirty="0">
+                <a:solidFill>
+                  <a:schemeClr val="accent1">
+                    <a:lumMod val="75000"/>
+                  </a:schemeClr>
+                </a:solidFill>
+              </a:rPr>
+              <a:t>(*) EDA: </a:t>
+            </a:r>
+            <a:r>
+              <a:rPr lang="es-ES" sz="1000" b="1" i="1" dirty="0">
+                <a:solidFill>
+                  <a:schemeClr val="accent1">
+                    <a:lumMod val="75000"/>
+                  </a:schemeClr>
+                </a:solidFill>
+              </a:rPr>
+              <a:t>Exploratory Data Analysis</a:t>
+            </a:r>
+            <a:r>
+              <a:rPr lang="es-ES" sz="1000" i="1" dirty="0">
+                <a:solidFill>
+                  <a:schemeClr val="accent1">
+                    <a:lumMod val="75000"/>
+                  </a:schemeClr>
+                </a:solidFill>
+              </a:rPr>
+              <a:t> </a:t>
+            </a:r>
+            <a:r>
+              <a:rPr lang="es-ES" sz="1000" dirty="0">
+                <a:solidFill>
+                  <a:schemeClr val="accent1">
+                    <a:lumMod val="75000"/>
+                  </a:schemeClr>
+                </a:solidFill>
+              </a:rPr>
+              <a:t>(Análisis Exploratorio de Datos).</a:t>
+            </a:r>
+          </a:p>
+        </p:txBody>
+      </p:sp>
     </p:spTree>
     <p:extLst>
       <p:ext uri="{BB962C8B-B14F-4D97-AF65-F5344CB8AC3E}">

--- a/Madrid_House_Pricing_ML.pptx
+++ b/Madrid_House_Pricing_ML.pptx
@@ -22252,13 +22252,13 @@
         </p:nvPicPr>
         <p:blipFill>
           <a:blip r:embed="rId8"/>
-          <a:srcRect t="1" r="37980" b="-2331"/>
+          <a:srcRect t="62289" r="37980" b="-2330"/>
           <a:stretch/>
         </p:blipFill>
         <p:spPr>
           <a:xfrm>
-            <a:off x="7199132" y="3073386"/>
-            <a:ext cx="2460845" cy="584215"/>
+            <a:off x="7028802" y="3314699"/>
+            <a:ext cx="2460845" cy="228601"/>
           </a:xfrm>
           <a:prstGeom prst="rect">
             <a:avLst/>

--- a/Madrid_House_Pricing_ML.pptx
+++ b/Madrid_House_Pricing_ML.pptx
@@ -7188,20 +7188,11 @@
     <dgm:pt modelId="{8BD9A876-A15C-4FD9-9238-4533621C52EE}" type="pres">
       <dgm:prSet presAssocID="{25E767B4-7F21-4580-8699-B47D9B2E9C02}" presName="imgShp" presStyleLbl="fgImgPlace1" presStyleIdx="0" presStyleCnt="1" custScaleX="138429" custScaleY="93788" custLinFactNeighborX="-10955" custLinFactNeighborY="-650"/>
       <dgm:spPr>
-        <a:blipFill dpi="0" rotWithShape="1">
-          <a:blip xmlns:r="http://schemas.openxmlformats.org/officeDocument/2006/relationships" r:embed="rId1">
-            <a:extLst>
-              <a:ext uri="{28A0092B-C50C-407E-A947-70E740481C1C}">
-                <a14:useLocalDpi xmlns:a14="http://schemas.microsoft.com/office/drawing/2010/main" val="0"/>
-              </a:ext>
-              <a:ext uri="{837473B0-CC2E-450A-ABE3-18F120FF3D39}">
-                <a1611:picAttrSrcUrl xmlns:a1611="http://schemas.microsoft.com/office/drawing/2016/11/main" r:id="rId2"/>
-              </a:ext>
-            </a:extLst>
-          </a:blip>
+        <a:blipFill rotWithShape="1">
+          <a:blip xmlns:r="http://schemas.openxmlformats.org/officeDocument/2006/relationships" r:embed="rId1"/>
           <a:srcRect/>
           <a:stretch>
-            <a:fillRect/>
+            <a:fillRect t="-24000" b="-24000"/>
           </a:stretch>
         </a:blipFill>
       </dgm:spPr>
@@ -10150,20 +10141,11 @@
         <a:prstGeom prst="ellipse">
           <a:avLst/>
         </a:prstGeom>
-        <a:blipFill dpi="0" rotWithShape="1">
-          <a:blip xmlns:r="http://schemas.openxmlformats.org/officeDocument/2006/relationships" r:embed="rId1">
-            <a:extLst>
-              <a:ext uri="{28A0092B-C50C-407E-A947-70E740481C1C}">
-                <a14:useLocalDpi xmlns:a14="http://schemas.microsoft.com/office/drawing/2010/main" val="0"/>
-              </a:ext>
-              <a:ext uri="{837473B0-CC2E-450A-ABE3-18F120FF3D39}">
-                <a1611:picAttrSrcUrl xmlns:a1611="http://schemas.microsoft.com/office/drawing/2016/11/main" r:id="rId2"/>
-              </a:ext>
-            </a:extLst>
-          </a:blip>
+        <a:blipFill rotWithShape="1">
+          <a:blip xmlns:r="http://schemas.openxmlformats.org/officeDocument/2006/relationships" r:embed="rId1"/>
           <a:srcRect/>
           <a:stretch>
-            <a:fillRect/>
+            <a:fillRect t="-24000" b="-24000"/>
           </a:stretch>
         </a:blipFill>
         <a:ln w="15875" cap="flat" cmpd="sng" algn="ctr">
@@ -22308,7 +22290,7 @@
           <p:nvPr>
             <p:extLst>
               <p:ext uri="{D42A27DB-BD31-4B8C-83A1-F6EECF244321}">
-                <p14:modId xmlns:p14="http://schemas.microsoft.com/office/powerpoint/2010/main" val="1743686543"/>
+                <p14:modId xmlns:p14="http://schemas.microsoft.com/office/powerpoint/2010/main" val="2523938951"/>
               </p:ext>
             </p:extLst>
           </p:nvPr>
